--- a/Documentação/Limpeza e Organização.pptx
+++ b/Documentação/Limpeza e Organização.pptx
@@ -295,7 +295,7 @@
           <a:p>
             <a:fld id="{1EA69406-B18C-4324-90DB-24E22BAE98B6}" type="datetimeFigureOut">
               <a:rPr lang="pt-BR" smtClean="0"/>
-              <a:t>21/05/2020</a:t>
+              <a:t>22/05/2020</a:t>
             </a:fld>
             <a:endParaRPr lang="pt-BR" dirty="0"/>
           </a:p>
@@ -493,7 +493,7 @@
           <a:p>
             <a:fld id="{1EA69406-B18C-4324-90DB-24E22BAE98B6}" type="datetimeFigureOut">
               <a:rPr lang="pt-BR" smtClean="0"/>
-              <a:t>21/05/2020</a:t>
+              <a:t>22/05/2020</a:t>
             </a:fld>
             <a:endParaRPr lang="pt-BR" dirty="0"/>
           </a:p>
@@ -701,7 +701,7 @@
           <a:p>
             <a:fld id="{1EA69406-B18C-4324-90DB-24E22BAE98B6}" type="datetimeFigureOut">
               <a:rPr lang="pt-BR" smtClean="0"/>
-              <a:t>21/05/2020</a:t>
+              <a:t>22/05/2020</a:t>
             </a:fld>
             <a:endParaRPr lang="pt-BR" dirty="0"/>
           </a:p>
@@ -899,7 +899,7 @@
           <a:p>
             <a:fld id="{1EA69406-B18C-4324-90DB-24E22BAE98B6}" type="datetimeFigureOut">
               <a:rPr lang="pt-BR" smtClean="0"/>
-              <a:t>21/05/2020</a:t>
+              <a:t>22/05/2020</a:t>
             </a:fld>
             <a:endParaRPr lang="pt-BR" dirty="0"/>
           </a:p>
@@ -1174,7 +1174,7 @@
           <a:p>
             <a:fld id="{1EA69406-B18C-4324-90DB-24E22BAE98B6}" type="datetimeFigureOut">
               <a:rPr lang="pt-BR" smtClean="0"/>
-              <a:t>21/05/2020</a:t>
+              <a:t>22/05/2020</a:t>
             </a:fld>
             <a:endParaRPr lang="pt-BR" dirty="0"/>
           </a:p>
@@ -1439,7 +1439,7 @@
           <a:p>
             <a:fld id="{1EA69406-B18C-4324-90DB-24E22BAE98B6}" type="datetimeFigureOut">
               <a:rPr lang="pt-BR" smtClean="0"/>
-              <a:t>21/05/2020</a:t>
+              <a:t>22/05/2020</a:t>
             </a:fld>
             <a:endParaRPr lang="pt-BR" dirty="0"/>
           </a:p>
@@ -1851,7 +1851,7 @@
           <a:p>
             <a:fld id="{1EA69406-B18C-4324-90DB-24E22BAE98B6}" type="datetimeFigureOut">
               <a:rPr lang="pt-BR" smtClean="0"/>
-              <a:t>21/05/2020</a:t>
+              <a:t>22/05/2020</a:t>
             </a:fld>
             <a:endParaRPr lang="pt-BR" dirty="0"/>
           </a:p>
@@ -1992,7 +1992,7 @@
           <a:p>
             <a:fld id="{1EA69406-B18C-4324-90DB-24E22BAE98B6}" type="datetimeFigureOut">
               <a:rPr lang="pt-BR" smtClean="0"/>
-              <a:t>21/05/2020</a:t>
+              <a:t>22/05/2020</a:t>
             </a:fld>
             <a:endParaRPr lang="pt-BR" dirty="0"/>
           </a:p>
@@ -2105,7 +2105,7 @@
           <a:p>
             <a:fld id="{1EA69406-B18C-4324-90DB-24E22BAE98B6}" type="datetimeFigureOut">
               <a:rPr lang="pt-BR" smtClean="0"/>
-              <a:t>21/05/2020</a:t>
+              <a:t>22/05/2020</a:t>
             </a:fld>
             <a:endParaRPr lang="pt-BR" dirty="0"/>
           </a:p>
@@ -2416,7 +2416,7 @@
           <a:p>
             <a:fld id="{1EA69406-B18C-4324-90DB-24E22BAE98B6}" type="datetimeFigureOut">
               <a:rPr lang="pt-BR" smtClean="0"/>
-              <a:t>21/05/2020</a:t>
+              <a:t>22/05/2020</a:t>
             </a:fld>
             <a:endParaRPr lang="pt-BR" dirty="0"/>
           </a:p>
@@ -2708,7 +2708,7 @@
           <a:p>
             <a:fld id="{1EA69406-B18C-4324-90DB-24E22BAE98B6}" type="datetimeFigureOut">
               <a:rPr lang="pt-BR" smtClean="0"/>
-              <a:t>21/05/2020</a:t>
+              <a:t>22/05/2020</a:t>
             </a:fld>
             <a:endParaRPr lang="pt-BR" dirty="0"/>
           </a:p>
@@ -2949,7 +2949,7 @@
           <a:p>
             <a:fld id="{1EA69406-B18C-4324-90DB-24E22BAE98B6}" type="datetimeFigureOut">
               <a:rPr lang="pt-BR" smtClean="0"/>
-              <a:t>21/05/2020</a:t>
+              <a:t>22/05/2020</a:t>
             </a:fld>
             <a:endParaRPr lang="pt-BR" dirty="0"/>
           </a:p>
@@ -6445,7 +6445,7 @@
               </a:rPr>
             </a:br>
             <a:r>
-              <a:rPr lang="pt-BR" sz="3200" dirty="0">
+              <a:rPr lang="pt-BR" sz="3200" dirty="0" err="1">
                 <a:effectLst>
                   <a:outerShdw blurRad="38100" dist="38100" dir="2700000" algn="tl">
                     <a:srgbClr val="000000">
@@ -6458,7 +6458,7 @@
               <a:t>Keric</a:t>
             </a:r>
             <a:r>
-              <a:rPr lang="en-US" sz="3200" dirty="0">
+              <a:rPr lang="en-US" sz="3200">
                 <a:effectLst>
                   <a:outerShdw blurRad="38100" dist="38100" dir="2700000" algn="tl">
                     <a:srgbClr val="000000">
@@ -6468,7 +6468,7 @@
                 </a:effectLst>
                 <a:latin typeface="Berlin Sans FB Demi" panose="020E0802020502020306" pitchFamily="34" charset="0"/>
               </a:rPr>
-              <a:t> Daniel</a:t>
+              <a:t> Santos</a:t>
             </a:r>
             <a:br>
               <a:rPr lang="en-US" sz="3200" dirty="0">
